--- a/IS466/Lectures/8-Maturity/Maturity Models.pptx
+++ b/IS466/Lectures/8-Maturity/Maturity Models.pptx
@@ -5,7 +5,7 @@
     <p:sldMasterId id="2147483648" r:id="rId1"/>
   </p:sldMasterIdLst>
   <p:notesMasterIdLst>
-    <p:notesMasterId r:id="rId30"/>
+    <p:notesMasterId r:id="rId36"/>
   </p:notesMasterIdLst>
   <p:sldIdLst>
     <p:sldId id="256" r:id="rId2"/>
@@ -36,6 +36,12 @@
     <p:sldId id="760" r:id="rId27"/>
     <p:sldId id="776" r:id="rId28"/>
     <p:sldId id="777" r:id="rId29"/>
+    <p:sldId id="778" r:id="rId30"/>
+    <p:sldId id="779" r:id="rId31"/>
+    <p:sldId id="780" r:id="rId32"/>
+    <p:sldId id="781" r:id="rId33"/>
+    <p:sldId id="782" r:id="rId34"/>
+    <p:sldId id="783" r:id="rId35"/>
   </p:sldIdLst>
   <p:sldSz cx="12192000" cy="6858000"/>
   <p:notesSz cx="6858000" cy="9144000"/>
@@ -253,7 +259,7 @@
           <a:p>
             <a:fld id="{41DA9887-9249-49FD-809A-BACB264048C3}" type="datetimeFigureOut">
               <a:rPr lang="en-US" smtClean="0"/>
-              <a:t>5/1/2024</a:t>
+              <a:t>5/5/2024</a:t>
             </a:fld>
             <a:endParaRPr lang="en-US"/>
           </a:p>
@@ -655,7 +661,7 @@
           <a:p>
             <a:fld id="{EF213E56-3C1A-435A-851B-5B1F221C2038}" type="datetime1">
               <a:rPr lang="en-US" smtClean="0"/>
-              <a:t>5/1/2024</a:t>
+              <a:t>5/5/2024</a:t>
             </a:fld>
             <a:endParaRPr lang="en-US"/>
           </a:p>
@@ -960,7 +966,7 @@
           <a:p>
             <a:fld id="{B4696837-4851-4AA6-8AED-554226C981D1}" type="datetime1">
               <a:rPr lang="en-US" smtClean="0"/>
-              <a:t>5/1/2024</a:t>
+              <a:t>5/5/2024</a:t>
             </a:fld>
             <a:endParaRPr lang="en-US"/>
           </a:p>
@@ -1138,7 +1144,7 @@
           <a:p>
             <a:fld id="{BADD32E1-BB70-4827-BA33-FF5AFC435BE9}" type="datetime1">
               <a:rPr lang="en-US" smtClean="0"/>
-              <a:t>5/1/2024</a:t>
+              <a:t>5/5/2024</a:t>
             </a:fld>
             <a:endParaRPr lang="en-US"/>
           </a:p>
@@ -1381,7 +1387,7 @@
             </a:pPr>
             <a:fld id="{40B9EAF6-54F2-4DF5-9C6B-3F6F95B86356}" type="datetime1">
               <a:rPr lang="en-US" smtClean="0"/>
-              <a:t>5/1/2024</a:t>
+              <a:t>5/5/2024</a:t>
             </a:fld>
             <a:endParaRPr lang="en-US"/>
           </a:p>
@@ -1561,7 +1567,7 @@
             </a:pPr>
             <a:fld id="{D3D64A56-6FF4-479A-8655-719A18A98C4B}" type="datetime1">
               <a:rPr lang="en-US" smtClean="0"/>
-              <a:t>5/1/2024</a:t>
+              <a:t>5/5/2024</a:t>
             </a:fld>
             <a:endParaRPr lang="en-US"/>
           </a:p>
@@ -1842,7 +1848,7 @@
           <a:p>
             <a:fld id="{BB961044-FC46-4CBC-9061-59528F4899F3}" type="datetime1">
               <a:rPr lang="en-US" smtClean="0"/>
-              <a:t>5/1/2024</a:t>
+              <a:t>5/5/2024</a:t>
             </a:fld>
             <a:endParaRPr lang="en-US"/>
           </a:p>
@@ -2192,7 +2198,7 @@
           <a:p>
             <a:fld id="{4466A08C-77F3-471E-A5C4-1D2068144BAC}" type="datetime1">
               <a:rPr lang="en-US" smtClean="0"/>
-              <a:t>5/1/2024</a:t>
+              <a:t>5/5/2024</a:t>
             </a:fld>
             <a:endParaRPr lang="en-US"/>
           </a:p>
@@ -2421,7 +2427,7 @@
           <a:p>
             <a:fld id="{B90A7AD1-16F4-44C3-AE32-24C59A599E9D}" type="datetime1">
               <a:rPr lang="en-US" smtClean="0"/>
-              <a:t>5/1/2024</a:t>
+              <a:t>5/5/2024</a:t>
             </a:fld>
             <a:endParaRPr lang="en-US"/>
           </a:p>
@@ -2785,7 +2791,7 @@
           <a:p>
             <a:fld id="{B583DB4F-4316-4DF5-A229-BC1D787C82A0}" type="datetime1">
               <a:rPr lang="en-US" smtClean="0"/>
-              <a:t>5/1/2024</a:t>
+              <a:t>5/5/2024</a:t>
             </a:fld>
             <a:endParaRPr lang="en-US"/>
           </a:p>
@@ -2880,7 +2886,7 @@
           <a:p>
             <a:fld id="{AE6064B7-7A9F-432D-B7B9-6824267AA574}" type="datetime1">
               <a:rPr lang="en-US" smtClean="0"/>
-              <a:t>5/1/2024</a:t>
+              <a:t>5/5/2024</a:t>
             </a:fld>
             <a:endParaRPr lang="en-US"/>
           </a:p>
@@ -3105,7 +3111,7 @@
             <a:fld id="{B2F5E2FA-C428-4CE7-95B0-168D3259A5BB}" type="datetimeFigureOut">
               <a:rPr lang="en-US" smtClean="0"/>
               <a:pPr/>
-              <a:t>5/1/2024</a:t>
+              <a:t>5/5/2024</a:t>
             </a:fld>
             <a:endParaRPr lang="en-US"/>
           </a:p>
@@ -3282,7 +3288,7 @@
           <a:p>
             <a:fld id="{4E1C93A2-B712-486A-8AB5-D41B95D547BE}" type="datetime1">
               <a:rPr lang="en-US" smtClean="0"/>
-              <a:t>5/1/2024</a:t>
+              <a:t>5/5/2024</a:t>
             </a:fld>
             <a:endParaRPr lang="en-US"/>
           </a:p>
@@ -3557,7 +3563,7 @@
           <a:p>
             <a:fld id="{CAB2F318-F19F-4608-B7EF-F7FB8A482213}" type="datetime1">
               <a:rPr lang="en-US" smtClean="0"/>
-              <a:t>5/1/2024</a:t>
+              <a:t>5/5/2024</a:t>
             </a:fld>
             <a:endParaRPr lang="en-US"/>
           </a:p>
@@ -3809,7 +3815,7 @@
           <a:p>
             <a:fld id="{BB9CEF8C-69D6-4C3E-B892-F682F307A7B6}" type="datetime1">
               <a:rPr lang="en-US" smtClean="0"/>
-              <a:t>5/1/2024</a:t>
+              <a:t>5/5/2024</a:t>
             </a:fld>
             <a:endParaRPr lang="en-US"/>
           </a:p>
@@ -4020,7 +4026,7 @@
           <a:p>
             <a:fld id="{FB737C73-4A31-4C17-AFB7-7B8470027787}" type="datetime1">
               <a:rPr lang="en-US" smtClean="0"/>
-              <a:t>5/1/2024</a:t>
+              <a:t>5/5/2024</a:t>
             </a:fld>
             <a:endParaRPr lang="en-US"/>
           </a:p>
@@ -7609,6 +7615,142 @@
 </p:sld>
 </file>
 
+<file path=ppt/slides/slide29.xml><?xml version="1.0" encoding="utf-8"?>
+<p:sld xmlns:a="http://schemas.openxmlformats.org/drawingml/2006/main" xmlns:r="http://schemas.openxmlformats.org/officeDocument/2006/relationships" xmlns:p="http://schemas.openxmlformats.org/presentationml/2006/main">
+  <p:cSld>
+    <p:spTree>
+      <p:nvGrpSpPr>
+        <p:cNvPr id="1" name=""/>
+        <p:cNvGrpSpPr/>
+        <p:nvPr/>
+      </p:nvGrpSpPr>
+      <p:grpSpPr>
+        <a:xfrm>
+          <a:off x="0" y="0"/>
+          <a:ext cx="0" cy="0"/>
+          <a:chOff x="0" y="0"/>
+          <a:chExt cx="0" cy="0"/>
+        </a:xfrm>
+      </p:grpSpPr>
+      <p:sp>
+        <p:nvSpPr>
+          <p:cNvPr id="2" name="Title 1">
+            <a:extLst>
+              <a:ext uri="{FF2B5EF4-FFF2-40B4-BE49-F238E27FC236}">
+                <a16:creationId xmlns:a16="http://schemas.microsoft.com/office/drawing/2014/main" id="{3764691A-D5BF-4688-9F45-5F8A9FFCBEF9}"/>
+              </a:ext>
+            </a:extLst>
+          </p:cNvPr>
+          <p:cNvSpPr>
+            <a:spLocks noGrp="1"/>
+          </p:cNvSpPr>
+          <p:nvPr>
+            <p:ph type="title"/>
+          </p:nvPr>
+        </p:nvSpPr>
+        <p:spPr/>
+        <p:txBody>
+          <a:bodyPr/>
+          <a:lstStyle/>
+          <a:p>
+            <a:r>
+              <a:rPr lang="en-US" dirty="0"/>
+              <a:t>Relevant Professional Certificates</a:t>
+            </a:r>
+          </a:p>
+        </p:txBody>
+      </p:sp>
+      <p:sp>
+        <p:nvSpPr>
+          <p:cNvPr id="3" name="Content Placeholder 2">
+            <a:extLst>
+              <a:ext uri="{FF2B5EF4-FFF2-40B4-BE49-F238E27FC236}">
+                <a16:creationId xmlns:a16="http://schemas.microsoft.com/office/drawing/2014/main" id="{FCFF7FAC-69E8-45B1-9863-D3D8BFC4654E}"/>
+              </a:ext>
+            </a:extLst>
+          </p:cNvPr>
+          <p:cNvSpPr>
+            <a:spLocks noGrp="1"/>
+          </p:cNvSpPr>
+          <p:nvPr>
+            <p:ph idx="1"/>
+          </p:nvPr>
+        </p:nvSpPr>
+        <p:spPr/>
+        <p:txBody>
+          <a:bodyPr>
+            <a:normAutofit/>
+          </a:bodyPr>
+          <a:lstStyle/>
+          <a:p>
+            <a:r>
+              <a:rPr lang="en-US" dirty="0"/>
+              <a:t>Certified Data Governance Professional (CDGP)</a:t>
+            </a:r>
+          </a:p>
+          <a:p>
+            <a:r>
+              <a:rPr lang="en-US" dirty="0"/>
+              <a:t>Certified Data Manager (CDM)</a:t>
+            </a:r>
+          </a:p>
+          <a:p>
+            <a:r>
+              <a:rPr lang="en-US" dirty="0"/>
+              <a:t>Certified Business Intelligence Analyst (CBIA)</a:t>
+            </a:r>
+          </a:p>
+          <a:p>
+            <a:r>
+              <a:rPr lang="en-US" dirty="0"/>
+              <a:t>Certified Data Scientist (CDS)</a:t>
+            </a:r>
+          </a:p>
+        </p:txBody>
+      </p:sp>
+      <p:sp>
+        <p:nvSpPr>
+          <p:cNvPr id="4" name="Slide Number Placeholder 3">
+            <a:extLst>
+              <a:ext uri="{FF2B5EF4-FFF2-40B4-BE49-F238E27FC236}">
+                <a16:creationId xmlns:a16="http://schemas.microsoft.com/office/drawing/2014/main" id="{96B24A5B-8376-4B89-B184-9B25A207A795}"/>
+              </a:ext>
+            </a:extLst>
+          </p:cNvPr>
+          <p:cNvSpPr>
+            <a:spLocks noGrp="1"/>
+          </p:cNvSpPr>
+          <p:nvPr>
+            <p:ph type="sldNum" sz="quarter" idx="12"/>
+          </p:nvPr>
+        </p:nvSpPr>
+        <p:spPr/>
+        <p:txBody>
+          <a:bodyPr/>
+          <a:lstStyle/>
+          <a:p>
+            <a:fld id="{B8DACC02-A2BD-4578-8E03-6D891060A695}" type="slidenum">
+              <a:rPr lang="en-US" smtClean="0"/>
+              <a:pPr/>
+              <a:t>29</a:t>
+            </a:fld>
+            <a:endParaRPr lang="en-US" dirty="0"/>
+          </a:p>
+        </p:txBody>
+      </p:sp>
+    </p:spTree>
+    <p:extLst>
+      <p:ext uri="{BB962C8B-B14F-4D97-AF65-F5344CB8AC3E}">
+        <p14:creationId xmlns:p14="http://schemas.microsoft.com/office/powerpoint/2010/main" val="3245112582"/>
+      </p:ext>
+    </p:extLst>
+  </p:cSld>
+  <p:clrMapOvr>
+    <a:masterClrMapping/>
+  </p:clrMapOvr>
+</p:sld>
+</file>
+
 <file path=ppt/slides/slide3.xml><?xml version="1.0" encoding="utf-8"?>
 <p:sld xmlns:a="http://schemas.openxmlformats.org/drawingml/2006/main" xmlns:r="http://schemas.openxmlformats.org/officeDocument/2006/relationships" xmlns:p="http://schemas.openxmlformats.org/presentationml/2006/main">
   <p:cSld>
@@ -7736,6 +7878,922 @@
     <p:extLst>
       <p:ext uri="{BB962C8B-B14F-4D97-AF65-F5344CB8AC3E}">
         <p14:creationId xmlns:p14="http://schemas.microsoft.com/office/powerpoint/2010/main" val="416034758"/>
+      </p:ext>
+    </p:extLst>
+  </p:cSld>
+  <p:clrMapOvr>
+    <a:masterClrMapping/>
+  </p:clrMapOvr>
+</p:sld>
+</file>
+
+<file path=ppt/slides/slide30.xml><?xml version="1.0" encoding="utf-8"?>
+<p:sld xmlns:a="http://schemas.openxmlformats.org/drawingml/2006/main" xmlns:r="http://schemas.openxmlformats.org/officeDocument/2006/relationships" xmlns:p="http://schemas.openxmlformats.org/presentationml/2006/main">
+  <p:cSld>
+    <p:spTree>
+      <p:nvGrpSpPr>
+        <p:cNvPr id="1" name=""/>
+        <p:cNvGrpSpPr/>
+        <p:nvPr/>
+      </p:nvGrpSpPr>
+      <p:grpSpPr>
+        <a:xfrm>
+          <a:off x="0" y="0"/>
+          <a:ext cx="0" cy="0"/>
+          <a:chOff x="0" y="0"/>
+          <a:chExt cx="0" cy="0"/>
+        </a:xfrm>
+      </p:grpSpPr>
+      <p:sp>
+        <p:nvSpPr>
+          <p:cNvPr id="2" name="Title 1">
+            <a:extLst>
+              <a:ext uri="{FF2B5EF4-FFF2-40B4-BE49-F238E27FC236}">
+                <a16:creationId xmlns:a16="http://schemas.microsoft.com/office/drawing/2014/main" id="{2F373019-07A4-41C7-AF95-EA4533925060}"/>
+              </a:ext>
+            </a:extLst>
+          </p:cNvPr>
+          <p:cNvSpPr>
+            <a:spLocks noGrp="1"/>
+          </p:cNvSpPr>
+          <p:nvPr>
+            <p:ph type="title"/>
+          </p:nvPr>
+        </p:nvSpPr>
+        <p:spPr/>
+        <p:txBody>
+          <a:bodyPr>
+            <a:normAutofit/>
+          </a:bodyPr>
+          <a:lstStyle/>
+          <a:p>
+            <a:r>
+              <a:rPr lang="en-US" dirty="0"/>
+              <a:t>Certified Data Governance Professional (CDGP)</a:t>
+            </a:r>
+          </a:p>
+        </p:txBody>
+      </p:sp>
+      <p:sp>
+        <p:nvSpPr>
+          <p:cNvPr id="3" name="Content Placeholder 2">
+            <a:extLst>
+              <a:ext uri="{FF2B5EF4-FFF2-40B4-BE49-F238E27FC236}">
+                <a16:creationId xmlns:a16="http://schemas.microsoft.com/office/drawing/2014/main" id="{89E4B326-C7CF-463D-837F-527F98177022}"/>
+              </a:ext>
+            </a:extLst>
+          </p:cNvPr>
+          <p:cNvSpPr>
+            <a:spLocks noGrp="1"/>
+          </p:cNvSpPr>
+          <p:nvPr>
+            <p:ph idx="1"/>
+          </p:nvPr>
+        </p:nvSpPr>
+        <p:spPr/>
+        <p:txBody>
+          <a:bodyPr>
+            <a:normAutofit fontScale="92500"/>
+          </a:bodyPr>
+          <a:lstStyle/>
+          <a:p>
+            <a:r>
+              <a:rPr lang="en-US" dirty="0"/>
+              <a:t>The CDGP certification is designed for professionals who work in data governance, data management, data quality, data security, or related fields.</a:t>
+            </a:r>
+          </a:p>
+          <a:p>
+            <a:r>
+              <a:rPr lang="en-US" dirty="0"/>
+              <a:t>To become a CDGP certified professional, you'll need to meet the following requirements:</a:t>
+            </a:r>
+          </a:p>
+          <a:p>
+            <a:pPr lvl="1"/>
+            <a:r>
+              <a:rPr lang="en-US" dirty="0"/>
+              <a:t>Education: A bachelor's degree or higher in a related field (e.g., computer science, information systems, business administration).</a:t>
+            </a:r>
+          </a:p>
+          <a:p>
+            <a:pPr lvl="1"/>
+            <a:r>
+              <a:rPr lang="en-US" dirty="0"/>
+              <a:t>Experience: A minimum of 2 years of experience in data governance, data management, or a related field.</a:t>
+            </a:r>
+          </a:p>
+          <a:p>
+            <a:pPr lvl="1"/>
+            <a:r>
+              <a:rPr lang="en-US" dirty="0"/>
+              <a:t>Training: Completion of a DGPA-approved data governance training program or equivalent.</a:t>
+            </a:r>
+          </a:p>
+          <a:p>
+            <a:pPr lvl="1"/>
+            <a:r>
+              <a:rPr lang="en-US" dirty="0"/>
+              <a:t>Exam: Pass the CDGP certification exam, which consists of 100 multiple-choice questions that test your knowledge and skills in data governance.</a:t>
+            </a:r>
+          </a:p>
+          <a:p>
+            <a:pPr lvl="1"/>
+            <a:r>
+              <a:rPr lang="en-US" dirty="0"/>
+              <a:t>Continuing education: Complete ongoing professional development requirements to maintain your certification.</a:t>
+            </a:r>
+          </a:p>
+        </p:txBody>
+      </p:sp>
+      <p:sp>
+        <p:nvSpPr>
+          <p:cNvPr id="4" name="Slide Number Placeholder 3">
+            <a:extLst>
+              <a:ext uri="{FF2B5EF4-FFF2-40B4-BE49-F238E27FC236}">
+                <a16:creationId xmlns:a16="http://schemas.microsoft.com/office/drawing/2014/main" id="{170ED3F9-7EFF-4644-BADD-F0D5E62CF0E2}"/>
+              </a:ext>
+            </a:extLst>
+          </p:cNvPr>
+          <p:cNvSpPr>
+            <a:spLocks noGrp="1"/>
+          </p:cNvSpPr>
+          <p:nvPr>
+            <p:ph type="sldNum" sz="quarter" idx="12"/>
+          </p:nvPr>
+        </p:nvSpPr>
+        <p:spPr/>
+        <p:txBody>
+          <a:bodyPr/>
+          <a:lstStyle/>
+          <a:p>
+            <a:fld id="{B8DACC02-A2BD-4578-8E03-6D891060A695}" type="slidenum">
+              <a:rPr lang="en-US" smtClean="0"/>
+              <a:pPr/>
+              <a:t>30</a:t>
+            </a:fld>
+            <a:endParaRPr lang="en-US" dirty="0"/>
+          </a:p>
+        </p:txBody>
+      </p:sp>
+    </p:spTree>
+    <p:extLst>
+      <p:ext uri="{BB962C8B-B14F-4D97-AF65-F5344CB8AC3E}">
+        <p14:creationId xmlns:p14="http://schemas.microsoft.com/office/powerpoint/2010/main" val="293100700"/>
+      </p:ext>
+    </p:extLst>
+  </p:cSld>
+  <p:clrMapOvr>
+    <a:masterClrMapping/>
+  </p:clrMapOvr>
+</p:sld>
+</file>
+
+<file path=ppt/slides/slide31.xml><?xml version="1.0" encoding="utf-8"?>
+<p:sld xmlns:a="http://schemas.openxmlformats.org/drawingml/2006/main" xmlns:r="http://schemas.openxmlformats.org/officeDocument/2006/relationships" xmlns:p="http://schemas.openxmlformats.org/presentationml/2006/main">
+  <p:cSld>
+    <p:spTree>
+      <p:nvGrpSpPr>
+        <p:cNvPr id="1" name=""/>
+        <p:cNvGrpSpPr/>
+        <p:nvPr/>
+      </p:nvGrpSpPr>
+      <p:grpSpPr>
+        <a:xfrm>
+          <a:off x="0" y="0"/>
+          <a:ext cx="0" cy="0"/>
+          <a:chOff x="0" y="0"/>
+          <a:chExt cx="0" cy="0"/>
+        </a:xfrm>
+      </p:grpSpPr>
+      <p:sp>
+        <p:nvSpPr>
+          <p:cNvPr id="2" name="Title 1">
+            <a:extLst>
+              <a:ext uri="{FF2B5EF4-FFF2-40B4-BE49-F238E27FC236}">
+                <a16:creationId xmlns:a16="http://schemas.microsoft.com/office/drawing/2014/main" id="{2F373019-07A4-41C7-AF95-EA4533925060}"/>
+              </a:ext>
+            </a:extLst>
+          </p:cNvPr>
+          <p:cNvSpPr>
+            <a:spLocks noGrp="1"/>
+          </p:cNvSpPr>
+          <p:nvPr>
+            <p:ph type="title"/>
+          </p:nvPr>
+        </p:nvSpPr>
+        <p:spPr/>
+        <p:txBody>
+          <a:bodyPr>
+            <a:normAutofit/>
+          </a:bodyPr>
+          <a:lstStyle/>
+          <a:p>
+            <a:r>
+              <a:rPr lang="en-US" dirty="0"/>
+              <a:t>Certified Data Governance Professional (CDGP)</a:t>
+            </a:r>
+          </a:p>
+        </p:txBody>
+      </p:sp>
+      <p:sp>
+        <p:nvSpPr>
+          <p:cNvPr id="3" name="Content Placeholder 2">
+            <a:extLst>
+              <a:ext uri="{FF2B5EF4-FFF2-40B4-BE49-F238E27FC236}">
+                <a16:creationId xmlns:a16="http://schemas.microsoft.com/office/drawing/2014/main" id="{89E4B326-C7CF-463D-837F-527F98177022}"/>
+              </a:ext>
+            </a:extLst>
+          </p:cNvPr>
+          <p:cNvSpPr>
+            <a:spLocks noGrp="1"/>
+          </p:cNvSpPr>
+          <p:nvPr>
+            <p:ph idx="1"/>
+          </p:nvPr>
+        </p:nvSpPr>
+        <p:spPr/>
+        <p:txBody>
+          <a:bodyPr>
+            <a:normAutofit/>
+          </a:bodyPr>
+          <a:lstStyle/>
+          <a:p>
+            <a:r>
+              <a:rPr lang="en-US" dirty="0"/>
+              <a:t>What is the CDGP certification exam like?</a:t>
+            </a:r>
+          </a:p>
+          <a:p>
+            <a:pPr lvl="1"/>
+            <a:r>
+              <a:rPr lang="en-US" dirty="0"/>
+              <a:t>The CDGP certification exam is a 2-hour, multiple-choice exam that covers the following topics:</a:t>
+            </a:r>
+          </a:p>
+          <a:p>
+            <a:pPr lvl="2"/>
+            <a:r>
+              <a:rPr lang="en-US" dirty="0"/>
+              <a:t>Data Governance Frameworks and Models</a:t>
+            </a:r>
+          </a:p>
+          <a:p>
+            <a:pPr lvl="2"/>
+            <a:r>
+              <a:rPr lang="en-US" dirty="0"/>
+              <a:t>Data Quality Management</a:t>
+            </a:r>
+          </a:p>
+          <a:p>
+            <a:pPr lvl="2"/>
+            <a:r>
+              <a:rPr lang="en-US" dirty="0"/>
+              <a:t>Data Security and Privacy</a:t>
+            </a:r>
+          </a:p>
+          <a:p>
+            <a:pPr lvl="2"/>
+            <a:r>
+              <a:rPr lang="en-US" dirty="0"/>
+              <a:t>Data Management and Architecture</a:t>
+            </a:r>
+          </a:p>
+          <a:p>
+            <a:pPr lvl="2"/>
+            <a:r>
+              <a:rPr lang="en-US" dirty="0"/>
+              <a:t>Data Governance Policies and Procedures</a:t>
+            </a:r>
+          </a:p>
+          <a:p>
+            <a:pPr lvl="2"/>
+            <a:r>
+              <a:rPr lang="en-US" dirty="0"/>
+              <a:t>Data Governance Roles and Responsibilities</a:t>
+            </a:r>
+          </a:p>
+          <a:p>
+            <a:pPr lvl="2"/>
+            <a:r>
+              <a:rPr lang="en-US" dirty="0"/>
+              <a:t>Data Governance Metrics and Reporting</a:t>
+            </a:r>
+          </a:p>
+        </p:txBody>
+      </p:sp>
+      <p:sp>
+        <p:nvSpPr>
+          <p:cNvPr id="4" name="Slide Number Placeholder 3">
+            <a:extLst>
+              <a:ext uri="{FF2B5EF4-FFF2-40B4-BE49-F238E27FC236}">
+                <a16:creationId xmlns:a16="http://schemas.microsoft.com/office/drawing/2014/main" id="{170ED3F9-7EFF-4644-BADD-F0D5E62CF0E2}"/>
+              </a:ext>
+            </a:extLst>
+          </p:cNvPr>
+          <p:cNvSpPr>
+            <a:spLocks noGrp="1"/>
+          </p:cNvSpPr>
+          <p:nvPr>
+            <p:ph type="sldNum" sz="quarter" idx="12"/>
+          </p:nvPr>
+        </p:nvSpPr>
+        <p:spPr/>
+        <p:txBody>
+          <a:bodyPr/>
+          <a:lstStyle/>
+          <a:p>
+            <a:fld id="{B8DACC02-A2BD-4578-8E03-6D891060A695}" type="slidenum">
+              <a:rPr lang="en-US" smtClean="0"/>
+              <a:pPr/>
+              <a:t>31</a:t>
+            </a:fld>
+            <a:endParaRPr lang="en-US" dirty="0"/>
+          </a:p>
+        </p:txBody>
+      </p:sp>
+    </p:spTree>
+    <p:extLst>
+      <p:ext uri="{BB962C8B-B14F-4D97-AF65-F5344CB8AC3E}">
+        <p14:creationId xmlns:p14="http://schemas.microsoft.com/office/powerpoint/2010/main" val="3653249172"/>
+      </p:ext>
+    </p:extLst>
+  </p:cSld>
+  <p:clrMapOvr>
+    <a:masterClrMapping/>
+  </p:clrMapOvr>
+</p:sld>
+</file>
+
+<file path=ppt/slides/slide32.xml><?xml version="1.0" encoding="utf-8"?>
+<p:sld xmlns:a="http://schemas.openxmlformats.org/drawingml/2006/main" xmlns:r="http://schemas.openxmlformats.org/officeDocument/2006/relationships" xmlns:p="http://schemas.openxmlformats.org/presentationml/2006/main">
+  <p:cSld>
+    <p:spTree>
+      <p:nvGrpSpPr>
+        <p:cNvPr id="1" name=""/>
+        <p:cNvGrpSpPr/>
+        <p:nvPr/>
+      </p:nvGrpSpPr>
+      <p:grpSpPr>
+        <a:xfrm>
+          <a:off x="0" y="0"/>
+          <a:ext cx="0" cy="0"/>
+          <a:chOff x="0" y="0"/>
+          <a:chExt cx="0" cy="0"/>
+        </a:xfrm>
+      </p:grpSpPr>
+      <p:sp>
+        <p:nvSpPr>
+          <p:cNvPr id="2" name="Title 1">
+            <a:extLst>
+              <a:ext uri="{FF2B5EF4-FFF2-40B4-BE49-F238E27FC236}">
+                <a16:creationId xmlns:a16="http://schemas.microsoft.com/office/drawing/2014/main" id="{6C6C204D-CBB7-41FD-AC95-BA2B0B4C12C6}"/>
+              </a:ext>
+            </a:extLst>
+          </p:cNvPr>
+          <p:cNvSpPr>
+            <a:spLocks noGrp="1"/>
+          </p:cNvSpPr>
+          <p:nvPr>
+            <p:ph type="title"/>
+          </p:nvPr>
+        </p:nvSpPr>
+        <p:spPr/>
+        <p:txBody>
+          <a:bodyPr/>
+          <a:lstStyle/>
+          <a:p>
+            <a:r>
+              <a:rPr lang="en-US" dirty="0"/>
+              <a:t>Certified Data Manager (CDM)</a:t>
+            </a:r>
+          </a:p>
+        </p:txBody>
+      </p:sp>
+      <p:sp>
+        <p:nvSpPr>
+          <p:cNvPr id="3" name="Content Placeholder 2">
+            <a:extLst>
+              <a:ext uri="{FF2B5EF4-FFF2-40B4-BE49-F238E27FC236}">
+                <a16:creationId xmlns:a16="http://schemas.microsoft.com/office/drawing/2014/main" id="{03D364E9-0B89-4804-9CE6-121128BDD891}"/>
+              </a:ext>
+            </a:extLst>
+          </p:cNvPr>
+          <p:cNvSpPr>
+            <a:spLocks noGrp="1"/>
+          </p:cNvSpPr>
+          <p:nvPr>
+            <p:ph idx="1"/>
+          </p:nvPr>
+        </p:nvSpPr>
+        <p:spPr/>
+        <p:txBody>
+          <a:bodyPr>
+            <a:normAutofit fontScale="92500" lnSpcReduction="10000"/>
+          </a:bodyPr>
+          <a:lstStyle/>
+          <a:p>
+            <a:r>
+              <a:rPr lang="en-US" dirty="0"/>
+              <a:t>CDM Certification Requirements:</a:t>
+            </a:r>
+          </a:p>
+          <a:p>
+            <a:pPr lvl="1"/>
+            <a:r>
+              <a:rPr lang="en-US" dirty="0"/>
+              <a:t>Education: Bachelor's degree or higher in a related field (e.g., computer science, information systems, business administration).</a:t>
+            </a:r>
+          </a:p>
+          <a:p>
+            <a:pPr lvl="1"/>
+            <a:r>
+              <a:rPr lang="en-US" dirty="0"/>
+              <a:t>Experience: Minimum 2 years of experience in data management or a related field.</a:t>
+            </a:r>
+          </a:p>
+          <a:p>
+            <a:pPr lvl="1"/>
+            <a:r>
+              <a:rPr lang="en-US" dirty="0"/>
+              <a:t>Training: Completion of a DAMA-approved data management training program or equivalent.</a:t>
+            </a:r>
+          </a:p>
+          <a:p>
+            <a:pPr lvl="1"/>
+            <a:r>
+              <a:rPr lang="en-US" dirty="0"/>
+              <a:t>Exam: Pass the CDM certification exam, which consists of 100 multiple-choice questions.</a:t>
+            </a:r>
+          </a:p>
+          <a:p>
+            <a:r>
+              <a:rPr lang="en-US" dirty="0"/>
+              <a:t>CDM Certification Exam Topics:</a:t>
+            </a:r>
+          </a:p>
+          <a:p>
+            <a:pPr lvl="1"/>
+            <a:r>
+              <a:rPr lang="en-US" dirty="0"/>
+              <a:t>Data Governance and Management</a:t>
+            </a:r>
+          </a:p>
+          <a:p>
+            <a:pPr lvl="1"/>
+            <a:r>
+              <a:rPr lang="en-US" dirty="0"/>
+              <a:t>Data Architecture and Design</a:t>
+            </a:r>
+          </a:p>
+          <a:p>
+            <a:pPr lvl="1"/>
+            <a:r>
+              <a:rPr lang="en-US" dirty="0"/>
+              <a:t>Data Security and Privacy</a:t>
+            </a:r>
+          </a:p>
+          <a:p>
+            <a:pPr lvl="1"/>
+            <a:r>
+              <a:rPr lang="en-US" dirty="0"/>
+              <a:t>Data Quality and Integrity</a:t>
+            </a:r>
+          </a:p>
+          <a:p>
+            <a:pPr lvl="1"/>
+            <a:r>
+              <a:rPr lang="en-US" dirty="0"/>
+              <a:t>Data Storage and Operations</a:t>
+            </a:r>
+          </a:p>
+          <a:p>
+            <a:pPr lvl="1"/>
+            <a:r>
+              <a:rPr lang="en-US" dirty="0"/>
+              <a:t>Data Analytics and Reporting</a:t>
+            </a:r>
+          </a:p>
+        </p:txBody>
+      </p:sp>
+      <p:sp>
+        <p:nvSpPr>
+          <p:cNvPr id="4" name="Slide Number Placeholder 3">
+            <a:extLst>
+              <a:ext uri="{FF2B5EF4-FFF2-40B4-BE49-F238E27FC236}">
+                <a16:creationId xmlns:a16="http://schemas.microsoft.com/office/drawing/2014/main" id="{93F79979-710A-49F1-80DE-1BD4A22042CA}"/>
+              </a:ext>
+            </a:extLst>
+          </p:cNvPr>
+          <p:cNvSpPr>
+            <a:spLocks noGrp="1"/>
+          </p:cNvSpPr>
+          <p:nvPr>
+            <p:ph type="sldNum" sz="quarter" idx="12"/>
+          </p:nvPr>
+        </p:nvSpPr>
+        <p:spPr/>
+        <p:txBody>
+          <a:bodyPr/>
+          <a:lstStyle/>
+          <a:p>
+            <a:fld id="{B8DACC02-A2BD-4578-8E03-6D891060A695}" type="slidenum">
+              <a:rPr lang="en-US" smtClean="0"/>
+              <a:pPr/>
+              <a:t>32</a:t>
+            </a:fld>
+            <a:endParaRPr lang="en-US" dirty="0"/>
+          </a:p>
+        </p:txBody>
+      </p:sp>
+    </p:spTree>
+    <p:extLst>
+      <p:ext uri="{BB962C8B-B14F-4D97-AF65-F5344CB8AC3E}">
+        <p14:creationId xmlns:p14="http://schemas.microsoft.com/office/powerpoint/2010/main" val="2219255988"/>
+      </p:ext>
+    </p:extLst>
+  </p:cSld>
+  <p:clrMapOvr>
+    <a:masterClrMapping/>
+  </p:clrMapOvr>
+</p:sld>
+</file>
+
+<file path=ppt/slides/slide33.xml><?xml version="1.0" encoding="utf-8"?>
+<p:sld xmlns:a="http://schemas.openxmlformats.org/drawingml/2006/main" xmlns:r="http://schemas.openxmlformats.org/officeDocument/2006/relationships" xmlns:p="http://schemas.openxmlformats.org/presentationml/2006/main">
+  <p:cSld>
+    <p:spTree>
+      <p:nvGrpSpPr>
+        <p:cNvPr id="1" name=""/>
+        <p:cNvGrpSpPr/>
+        <p:nvPr/>
+      </p:nvGrpSpPr>
+      <p:grpSpPr>
+        <a:xfrm>
+          <a:off x="0" y="0"/>
+          <a:ext cx="0" cy="0"/>
+          <a:chOff x="0" y="0"/>
+          <a:chExt cx="0" cy="0"/>
+        </a:xfrm>
+      </p:grpSpPr>
+      <p:sp>
+        <p:nvSpPr>
+          <p:cNvPr id="2" name="Title 1">
+            <a:extLst>
+              <a:ext uri="{FF2B5EF4-FFF2-40B4-BE49-F238E27FC236}">
+                <a16:creationId xmlns:a16="http://schemas.microsoft.com/office/drawing/2014/main" id="{13961F7F-56AE-49B2-91DF-B0F700C488CB}"/>
+              </a:ext>
+            </a:extLst>
+          </p:cNvPr>
+          <p:cNvSpPr>
+            <a:spLocks noGrp="1"/>
+          </p:cNvSpPr>
+          <p:nvPr>
+            <p:ph type="title"/>
+          </p:nvPr>
+        </p:nvSpPr>
+        <p:spPr/>
+        <p:txBody>
+          <a:bodyPr>
+            <a:normAutofit/>
+          </a:bodyPr>
+          <a:lstStyle/>
+          <a:p>
+            <a:r>
+              <a:rPr lang="en-US" dirty="0"/>
+              <a:t>Certified Business Intelligence Analyst (CBIA)</a:t>
+            </a:r>
+          </a:p>
+        </p:txBody>
+      </p:sp>
+      <p:sp>
+        <p:nvSpPr>
+          <p:cNvPr id="3" name="Content Placeholder 2">
+            <a:extLst>
+              <a:ext uri="{FF2B5EF4-FFF2-40B4-BE49-F238E27FC236}">
+                <a16:creationId xmlns:a16="http://schemas.microsoft.com/office/drawing/2014/main" id="{91C95815-0410-4E1C-9840-215DF0BCE58C}"/>
+              </a:ext>
+            </a:extLst>
+          </p:cNvPr>
+          <p:cNvSpPr>
+            <a:spLocks noGrp="1"/>
+          </p:cNvSpPr>
+          <p:nvPr>
+            <p:ph idx="1"/>
+          </p:nvPr>
+        </p:nvSpPr>
+        <p:spPr/>
+        <p:txBody>
+          <a:bodyPr>
+            <a:normAutofit fontScale="92500" lnSpcReduction="10000"/>
+          </a:bodyPr>
+          <a:lstStyle/>
+          <a:p>
+            <a:r>
+              <a:rPr lang="en-US" dirty="0"/>
+              <a:t>CBIA Certification Requirements:</a:t>
+            </a:r>
+          </a:p>
+          <a:p>
+            <a:pPr lvl="1"/>
+            <a:r>
+              <a:rPr lang="en-US" dirty="0"/>
+              <a:t>Education: Bachelor's degree or higher in a related field (e.g., computer science, information systems, business administration).</a:t>
+            </a:r>
+          </a:p>
+          <a:p>
+            <a:pPr lvl="1"/>
+            <a:r>
+              <a:rPr lang="en-US" dirty="0"/>
+              <a:t>Experience: Minimum 2 years of experience in business intelligence, data analysis, or a related field.</a:t>
+            </a:r>
+          </a:p>
+          <a:p>
+            <a:pPr lvl="1"/>
+            <a:r>
+              <a:rPr lang="en-US" dirty="0"/>
+              <a:t>Training: Completion of a Business Intelligence Institute-approved training program or equivalent.</a:t>
+            </a:r>
+          </a:p>
+          <a:p>
+            <a:pPr lvl="1"/>
+            <a:r>
+              <a:rPr lang="en-US" dirty="0"/>
+              <a:t>Exam: Pass the CBIA certification exam, which consists of 100 multiple-choice questions.</a:t>
+            </a:r>
+          </a:p>
+          <a:p>
+            <a:r>
+              <a:rPr lang="en-US" dirty="0"/>
+              <a:t>CBIA Certification Exam Topics:</a:t>
+            </a:r>
+          </a:p>
+          <a:p>
+            <a:pPr lvl="1"/>
+            <a:r>
+              <a:rPr lang="en-US" dirty="0"/>
+              <a:t>Data Analysis and Modeling</a:t>
+            </a:r>
+          </a:p>
+          <a:p>
+            <a:pPr lvl="1"/>
+            <a:r>
+              <a:rPr lang="en-US" dirty="0"/>
+              <a:t>Data Visualization and Reporting</a:t>
+            </a:r>
+          </a:p>
+          <a:p>
+            <a:pPr lvl="1"/>
+            <a:r>
+              <a:rPr lang="en-US" dirty="0"/>
+              <a:t>Business Analytics and Decision Support</a:t>
+            </a:r>
+          </a:p>
+          <a:p>
+            <a:pPr lvl="1"/>
+            <a:r>
+              <a:rPr lang="en-US" dirty="0"/>
+              <a:t>Data Mining and Machine Learning</a:t>
+            </a:r>
+          </a:p>
+          <a:p>
+            <a:pPr lvl="1"/>
+            <a:r>
+              <a:rPr lang="en-US" dirty="0"/>
+              <a:t>Business Intelligence Tools and Technologies</a:t>
+            </a:r>
+          </a:p>
+        </p:txBody>
+      </p:sp>
+      <p:sp>
+        <p:nvSpPr>
+          <p:cNvPr id="4" name="Slide Number Placeholder 3">
+            <a:extLst>
+              <a:ext uri="{FF2B5EF4-FFF2-40B4-BE49-F238E27FC236}">
+                <a16:creationId xmlns:a16="http://schemas.microsoft.com/office/drawing/2014/main" id="{CE56E7CF-59B4-48E3-AB5D-E5FC557952F4}"/>
+              </a:ext>
+            </a:extLst>
+          </p:cNvPr>
+          <p:cNvSpPr>
+            <a:spLocks noGrp="1"/>
+          </p:cNvSpPr>
+          <p:nvPr>
+            <p:ph type="sldNum" sz="quarter" idx="12"/>
+          </p:nvPr>
+        </p:nvSpPr>
+        <p:spPr/>
+        <p:txBody>
+          <a:bodyPr/>
+          <a:lstStyle/>
+          <a:p>
+            <a:fld id="{B8DACC02-A2BD-4578-8E03-6D891060A695}" type="slidenum">
+              <a:rPr lang="en-US" smtClean="0"/>
+              <a:pPr/>
+              <a:t>33</a:t>
+            </a:fld>
+            <a:endParaRPr lang="en-US" dirty="0"/>
+          </a:p>
+        </p:txBody>
+      </p:sp>
+    </p:spTree>
+    <p:extLst>
+      <p:ext uri="{BB962C8B-B14F-4D97-AF65-F5344CB8AC3E}">
+        <p14:creationId xmlns:p14="http://schemas.microsoft.com/office/powerpoint/2010/main" val="3646724365"/>
+      </p:ext>
+    </p:extLst>
+  </p:cSld>
+  <p:clrMapOvr>
+    <a:masterClrMapping/>
+  </p:clrMapOvr>
+</p:sld>
+</file>
+
+<file path=ppt/slides/slide34.xml><?xml version="1.0" encoding="utf-8"?>
+<p:sld xmlns:a="http://schemas.openxmlformats.org/drawingml/2006/main" xmlns:r="http://schemas.openxmlformats.org/officeDocument/2006/relationships" xmlns:p="http://schemas.openxmlformats.org/presentationml/2006/main">
+  <p:cSld>
+    <p:spTree>
+      <p:nvGrpSpPr>
+        <p:cNvPr id="1" name=""/>
+        <p:cNvGrpSpPr/>
+        <p:nvPr/>
+      </p:nvGrpSpPr>
+      <p:grpSpPr>
+        <a:xfrm>
+          <a:off x="0" y="0"/>
+          <a:ext cx="0" cy="0"/>
+          <a:chOff x="0" y="0"/>
+          <a:chExt cx="0" cy="0"/>
+        </a:xfrm>
+      </p:grpSpPr>
+      <p:sp>
+        <p:nvSpPr>
+          <p:cNvPr id="2" name="Title 1">
+            <a:extLst>
+              <a:ext uri="{FF2B5EF4-FFF2-40B4-BE49-F238E27FC236}">
+                <a16:creationId xmlns:a16="http://schemas.microsoft.com/office/drawing/2014/main" id="{F170E4A2-79B8-44F5-ABE5-82C89654943F}"/>
+              </a:ext>
+            </a:extLst>
+          </p:cNvPr>
+          <p:cNvSpPr>
+            <a:spLocks noGrp="1"/>
+          </p:cNvSpPr>
+          <p:nvPr>
+            <p:ph type="title"/>
+          </p:nvPr>
+        </p:nvSpPr>
+        <p:spPr/>
+        <p:txBody>
+          <a:bodyPr>
+            <a:normAutofit/>
+          </a:bodyPr>
+          <a:lstStyle/>
+          <a:p>
+            <a:r>
+              <a:rPr lang="en-US" dirty="0"/>
+              <a:t>Certified Data Scientist (CDS)</a:t>
+            </a:r>
+          </a:p>
+        </p:txBody>
+      </p:sp>
+      <p:sp>
+        <p:nvSpPr>
+          <p:cNvPr id="3" name="Content Placeholder 2">
+            <a:extLst>
+              <a:ext uri="{FF2B5EF4-FFF2-40B4-BE49-F238E27FC236}">
+                <a16:creationId xmlns:a16="http://schemas.microsoft.com/office/drawing/2014/main" id="{5FE2E820-D18A-40DC-AC1E-C7AAC6EA7915}"/>
+              </a:ext>
+            </a:extLst>
+          </p:cNvPr>
+          <p:cNvSpPr>
+            <a:spLocks noGrp="1"/>
+          </p:cNvSpPr>
+          <p:nvPr>
+            <p:ph idx="1"/>
+          </p:nvPr>
+        </p:nvSpPr>
+        <p:spPr/>
+        <p:txBody>
+          <a:bodyPr>
+            <a:normAutofit fontScale="92500" lnSpcReduction="10000"/>
+          </a:bodyPr>
+          <a:lstStyle/>
+          <a:p>
+            <a:r>
+              <a:rPr lang="en-US" dirty="0"/>
+              <a:t>CDS Certification Requirements:</a:t>
+            </a:r>
+          </a:p>
+          <a:p>
+            <a:pPr lvl="1"/>
+            <a:r>
+              <a:rPr lang="en-US" dirty="0"/>
+              <a:t>Education: Bachelor's degree or higher in a related field (e.g., computer science, statistics, mathematics).</a:t>
+            </a:r>
+          </a:p>
+          <a:p>
+            <a:pPr lvl="1"/>
+            <a:r>
+              <a:rPr lang="en-US" dirty="0"/>
+              <a:t>Experience: Minimum 2 years of experience in data science, data analysis, or a related field.</a:t>
+            </a:r>
+          </a:p>
+          <a:p>
+            <a:pPr lvl="1"/>
+            <a:r>
+              <a:rPr lang="en-US" dirty="0"/>
+              <a:t>Training: Completion of a DASCA-approved data science training program or equivalent.</a:t>
+            </a:r>
+          </a:p>
+          <a:p>
+            <a:pPr lvl="1"/>
+            <a:r>
+              <a:rPr lang="en-US" dirty="0"/>
+              <a:t>Exam: Pass the CDS certification exam, which consists of 100 multiple-choice questions.</a:t>
+            </a:r>
+          </a:p>
+          <a:p>
+            <a:r>
+              <a:rPr lang="en-US" dirty="0"/>
+              <a:t>CDS Certification Exam Topics:</a:t>
+            </a:r>
+          </a:p>
+          <a:p>
+            <a:pPr lvl="1"/>
+            <a:r>
+              <a:rPr lang="en-US" dirty="0"/>
+              <a:t>Data Acquisition and Preparation</a:t>
+            </a:r>
+          </a:p>
+          <a:p>
+            <a:pPr lvl="1"/>
+            <a:r>
+              <a:rPr lang="en-US" dirty="0"/>
+              <a:t>Data Analysis and Modeling</a:t>
+            </a:r>
+          </a:p>
+          <a:p>
+            <a:pPr lvl="1"/>
+            <a:r>
+              <a:rPr lang="en-US" dirty="0"/>
+              <a:t>Data Visualization and Communication</a:t>
+            </a:r>
+          </a:p>
+          <a:p>
+            <a:pPr lvl="1"/>
+            <a:r>
+              <a:rPr lang="en-US" dirty="0"/>
+              <a:t>Machine Learning and AI</a:t>
+            </a:r>
+          </a:p>
+          <a:p>
+            <a:pPr lvl="1"/>
+            <a:r>
+              <a:rPr lang="en-US" dirty="0"/>
+              <a:t>Big Data and NoSQL Databases</a:t>
+            </a:r>
+          </a:p>
+          <a:p>
+            <a:pPr lvl="1"/>
+            <a:r>
+              <a:rPr lang="en-US" dirty="0"/>
+              <a:t>Data Science Tools and Technologies</a:t>
+            </a:r>
+          </a:p>
+        </p:txBody>
+      </p:sp>
+      <p:sp>
+        <p:nvSpPr>
+          <p:cNvPr id="4" name="Slide Number Placeholder 3">
+            <a:extLst>
+              <a:ext uri="{FF2B5EF4-FFF2-40B4-BE49-F238E27FC236}">
+                <a16:creationId xmlns:a16="http://schemas.microsoft.com/office/drawing/2014/main" id="{92DB4575-FE78-4F57-B276-B55C8C3B5698}"/>
+              </a:ext>
+            </a:extLst>
+          </p:cNvPr>
+          <p:cNvSpPr>
+            <a:spLocks noGrp="1"/>
+          </p:cNvSpPr>
+          <p:nvPr>
+            <p:ph type="sldNum" sz="quarter" idx="12"/>
+          </p:nvPr>
+        </p:nvSpPr>
+        <p:spPr/>
+        <p:txBody>
+          <a:bodyPr/>
+          <a:lstStyle/>
+          <a:p>
+            <a:fld id="{B8DACC02-A2BD-4578-8E03-6D891060A695}" type="slidenum">
+              <a:rPr lang="en-US" smtClean="0"/>
+              <a:pPr/>
+              <a:t>34</a:t>
+            </a:fld>
+            <a:endParaRPr lang="en-US" dirty="0"/>
+          </a:p>
+        </p:txBody>
+      </p:sp>
+    </p:spTree>
+    <p:extLst>
+      <p:ext uri="{BB962C8B-B14F-4D97-AF65-F5344CB8AC3E}">
+        <p14:creationId xmlns:p14="http://schemas.microsoft.com/office/powerpoint/2010/main" val="1458008128"/>
       </p:ext>
     </p:extLst>
   </p:cSld>
